--- a/A study on indian PCB inductory.pptx
+++ b/A study on indian PCB inductory.pptx
@@ -5,7 +5,7 @@
     <p:sldMasterId id="2147483648" r:id="rId1"/>
   </p:sldMasterIdLst>
   <p:notesMasterIdLst>
-    <p:notesMasterId r:id="rId16"/>
+    <p:notesMasterId r:id="rId17"/>
   </p:notesMasterIdLst>
   <p:sldIdLst>
     <p:sldId id="256" r:id="rId2"/>
@@ -19,9 +19,10 @@
     <p:sldId id="271" r:id="rId10"/>
     <p:sldId id="266" r:id="rId11"/>
     <p:sldId id="269" r:id="rId12"/>
-    <p:sldId id="270" r:id="rId13"/>
-    <p:sldId id="275" r:id="rId14"/>
-    <p:sldId id="272" r:id="rId15"/>
+    <p:sldId id="278" r:id="rId13"/>
+    <p:sldId id="270" r:id="rId14"/>
+    <p:sldId id="275" r:id="rId15"/>
+    <p:sldId id="272" r:id="rId16"/>
   </p:sldIdLst>
   <p:sldSz cx="9144000" cy="6858000" type="screen4x3"/>
   <p:notesSz cx="6858000" cy="9144000"/>
@@ -3983,38 +3984,12 @@
             <p:ph type="title"/>
           </p:nvPr>
         </p:nvSpPr>
-        <p:spPr/>
-        <p:txBody>
-          <a:bodyPr/>
-          <a:lstStyle/>
-          <a:p>
-            <a:r>
-              <a:rPr lang="en-US" dirty="0" smtClean="0"/>
-              <a:t>Set up Cost </a:t>
-            </a:r>
-            <a:r>
-              <a:rPr lang="en-US" dirty="0" err="1" smtClean="0"/>
-              <a:t>approx</a:t>
-            </a:r>
-            <a:r>
-              <a:rPr lang="en-US" dirty="0" smtClean="0"/>
-              <a:t> </a:t>
-            </a:r>
-            <a:endParaRPr lang="en-US" dirty="0"/>
-          </a:p>
-        </p:txBody>
-      </p:sp>
-      <p:sp>
-        <p:nvSpPr>
-          <p:cNvPr id="3" name="Content Placeholder 2"/>
-          <p:cNvSpPr>
-            <a:spLocks noGrp="1"/>
-          </p:cNvSpPr>
-          <p:nvPr>
-            <p:ph idx="1"/>
-          </p:nvPr>
-        </p:nvSpPr>
-        <p:spPr/>
+        <p:spPr>
+          <a:xfrm>
+            <a:off x="228600" y="274638"/>
+            <a:ext cx="8458200" cy="1249362"/>
+          </a:xfrm>
+        </p:spPr>
         <p:txBody>
           <a:bodyPr>
             <a:normAutofit/>
@@ -4022,70 +3997,17 @@
           <a:lstStyle/>
           <a:p>
             <a:r>
-              <a:rPr lang="en-US" dirty="0" smtClean="0"/>
-              <a:t>CNC drilling -7L(max fully automated )</a:t>
-            </a:r>
-          </a:p>
-          <a:p>
-            <a:r>
-              <a:rPr lang="en-US" dirty="0" smtClean="0"/>
-              <a:t>PCB cleaning machine (2L)</a:t>
-            </a:r>
-          </a:p>
-          <a:p>
-            <a:r>
-              <a:rPr lang="en-US" dirty="0" smtClean="0"/>
-              <a:t>PCB etching machine (5L)</a:t>
-            </a:r>
-          </a:p>
-          <a:p>
-            <a:r>
-              <a:rPr lang="en-US" dirty="0"/>
-              <a:t>PCB Grooving Machine (FR- 4</a:t>
-            </a:r>
-            <a:r>
-              <a:rPr lang="en-US" dirty="0" smtClean="0"/>
-              <a:t>) (1.5L)</a:t>
-            </a:r>
-          </a:p>
-          <a:p>
-            <a:r>
-              <a:rPr lang="en-US" dirty="0"/>
-              <a:t>PCB Brushing </a:t>
-            </a:r>
-            <a:r>
-              <a:rPr lang="en-US" dirty="0" smtClean="0"/>
-              <a:t>Machine(1.85L)</a:t>
-            </a:r>
-          </a:p>
-          <a:p>
-            <a:r>
-              <a:rPr lang="en-US" dirty="0"/>
-              <a:t>Dry Film </a:t>
-            </a:r>
-            <a:r>
-              <a:rPr lang="en-US" dirty="0" smtClean="0"/>
-              <a:t>Laminator (1L)</a:t>
-            </a:r>
-          </a:p>
-          <a:p>
-            <a:r>
-              <a:rPr lang="en-US" dirty="0"/>
-              <a:t>Photo Printing </a:t>
-            </a:r>
-            <a:r>
-              <a:rPr lang="en-US" dirty="0" smtClean="0"/>
-              <a:t>Machine(1.6L)</a:t>
-            </a:r>
-          </a:p>
-          <a:p>
-            <a:endParaRPr lang="en-US" dirty="0"/>
-          </a:p>
-          <a:p>
-            <a:endParaRPr lang="en-US" dirty="0" smtClean="0"/>
-          </a:p>
-          <a:p>
-            <a:endParaRPr lang="en-US" dirty="0"/>
+              <a:rPr lang="en-US" sz="2400" dirty="0" smtClean="0"/>
+              <a:t>Comparisons of the current manufactures </a:t>
+            </a:r>
+            <a:br>
+              <a:rPr lang="en-US" sz="2400" dirty="0" smtClean="0"/>
+            </a:br>
+            <a:r>
+              <a:rPr lang="en-US" sz="2400" dirty="0" smtClean="0"/>
+              <a:t>(with respect to specification )</a:t>
+            </a:r>
+            <a:endParaRPr lang="en-US" sz="2400" dirty="0"/>
           </a:p>
         </p:txBody>
       </p:sp>
@@ -4112,23 +4034,72 @@
           </a:p>
         </p:txBody>
       </p:sp>
+      <p:pic>
+        <p:nvPicPr>
+          <p:cNvPr id="1026" name="Picture 2"/>
+          <p:cNvPicPr>
+            <a:picLocks noGrp="1" noChangeAspect="1" noChangeArrowheads="1"/>
+          </p:cNvPicPr>
+          <p:nvPr>
+            <p:ph idx="1"/>
+          </p:nvPr>
+        </p:nvPicPr>
+        <p:blipFill>
+          <a:blip r:embed="rId2">
+            <a:extLst>
+              <a:ext uri="{28A0092B-C50C-407E-A947-70E740481C1C}">
+                <a14:useLocalDpi xmlns:a14="http://schemas.microsoft.com/office/drawing/2010/main" val="0"/>
+              </a:ext>
+            </a:extLst>
+          </a:blip>
+          <a:srcRect/>
+          <a:stretch>
+            <a:fillRect/>
+          </a:stretch>
+        </p:blipFill>
+        <p:spPr bwMode="auto">
+          <a:xfrm>
+            <a:off x="76521" y="1905000"/>
+            <a:ext cx="8991279" cy="3962400"/>
+          </a:xfrm>
+          <a:prstGeom prst="rect">
+            <a:avLst/>
+          </a:prstGeom>
+          <a:noFill/>
+          <a:ln>
+            <a:noFill/>
+          </a:ln>
+          <a:extLst>
+            <a:ext uri="{909E8E84-426E-40DD-AFC4-6F175D3DCCD1}">
+              <a14:hiddenFill xmlns:a14="http://schemas.microsoft.com/office/drawing/2010/main">
+                <a:solidFill>
+                  <a:schemeClr val="accent1"/>
+                </a:solidFill>
+              </a14:hiddenFill>
+            </a:ext>
+            <a:ext uri="{91240B29-F687-4F45-9708-019B960494DF}">
+              <a14:hiddenLine xmlns:a14="http://schemas.microsoft.com/office/drawing/2010/main" w="9525">
+                <a:solidFill>
+                  <a:schemeClr val="tx1"/>
+                </a:solidFill>
+                <a:miter lim="800000"/>
+                <a:headEnd/>
+                <a:tailEnd/>
+              </a14:hiddenLine>
+            </a:ext>
+          </a:extLst>
+        </p:spPr>
+      </p:pic>
     </p:spTree>
     <p:extLst>
       <p:ext uri="{BB962C8B-B14F-4D97-AF65-F5344CB8AC3E}">
-        <p14:creationId xmlns:p14="http://schemas.microsoft.com/office/powerpoint/2010/main" val="1606927151"/>
+        <p14:creationId xmlns:p14="http://schemas.microsoft.com/office/powerpoint/2010/main" val="2595244223"/>
       </p:ext>
     </p:extLst>
   </p:cSld>
   <p:clrMapOvr>
     <a:masterClrMapping/>
   </p:clrMapOvr>
-  <p:timing>
-    <p:tnLst>
-      <p:par>
-        <p:cTn id="1" dur="indefinite" restart="never" nodeType="tmRoot"/>
-      </p:par>
-    </p:tnLst>
-  </p:timing>
 </p:sld>
 </file>
 
@@ -4166,7 +4137,15 @@
           <a:p>
             <a:r>
               <a:rPr lang="en-US" dirty="0" smtClean="0"/>
-              <a:t>Conclusion 1</a:t>
+              <a:t>Set up Cost </a:t>
+            </a:r>
+            <a:r>
+              <a:rPr lang="en-US" dirty="0" err="1" smtClean="0"/>
+              <a:t>approx</a:t>
+            </a:r>
+            <a:r>
+              <a:rPr lang="en-US" dirty="0" smtClean="0"/>
+              <a:t> </a:t>
             </a:r>
             <a:endParaRPr lang="en-US" dirty="0"/>
           </a:p>
@@ -4190,28 +4169,70 @@
           <a:lstStyle/>
           <a:p>
             <a:r>
-              <a:rPr lang="en-US" sz="2000" dirty="0" smtClean="0"/>
-              <a:t>High Profit Margins.</a:t>
-            </a:r>
-          </a:p>
-          <a:p>
-            <a:r>
-              <a:rPr lang="en-US" sz="2000" dirty="0" smtClean="0"/>
-              <a:t>Profit margins are important to any business: and most retailers and traditional services-related businesses operate on low profit margins which make it difficult to stay afloat, especially through early years. But PCB printing and manufacturing is well-known for its </a:t>
-            </a:r>
-            <a:r>
-              <a:rPr lang="en-US" sz="2000" b="1" dirty="0" smtClean="0">
-                <a:solidFill>
-                  <a:srgbClr val="FF0000"/>
-                </a:solidFill>
-              </a:rPr>
-              <a:t>high profit margins in most cases, and for entrepreneurs who are productivity-oriented, it can be relatively easy to start and successfully operate a highly-profitable startup</a:t>
-            </a:r>
-            <a:r>
-              <a:rPr lang="en-US" sz="2000" dirty="0" smtClean="0"/>
-              <a:t>.</a:t>
-            </a:r>
-            <a:endParaRPr lang="en-US" sz="2000" dirty="0"/>
+              <a:rPr lang="en-US" dirty="0" smtClean="0"/>
+              <a:t>CNC drilling -7L(max fully automated )</a:t>
+            </a:r>
+          </a:p>
+          <a:p>
+            <a:r>
+              <a:rPr lang="en-US" dirty="0" smtClean="0"/>
+              <a:t>PCB cleaning machine (2L)</a:t>
+            </a:r>
+          </a:p>
+          <a:p>
+            <a:r>
+              <a:rPr lang="en-US" dirty="0" smtClean="0"/>
+              <a:t>PCB etching machine (5L)</a:t>
+            </a:r>
+          </a:p>
+          <a:p>
+            <a:r>
+              <a:rPr lang="en-US" dirty="0"/>
+              <a:t>PCB Grooving Machine (FR- 4</a:t>
+            </a:r>
+            <a:r>
+              <a:rPr lang="en-US" dirty="0" smtClean="0"/>
+              <a:t>) (1.5L)</a:t>
+            </a:r>
+          </a:p>
+          <a:p>
+            <a:r>
+              <a:rPr lang="en-US" dirty="0"/>
+              <a:t>PCB Brushing </a:t>
+            </a:r>
+            <a:r>
+              <a:rPr lang="en-US" dirty="0" smtClean="0"/>
+              <a:t>Machine(1.85L)</a:t>
+            </a:r>
+          </a:p>
+          <a:p>
+            <a:r>
+              <a:rPr lang="en-US" dirty="0"/>
+              <a:t>Dry Film </a:t>
+            </a:r>
+            <a:r>
+              <a:rPr lang="en-US" dirty="0" smtClean="0"/>
+              <a:t>Laminator (1L)</a:t>
+            </a:r>
+          </a:p>
+          <a:p>
+            <a:r>
+              <a:rPr lang="en-US" dirty="0"/>
+              <a:t>Photo Printing </a:t>
+            </a:r>
+            <a:r>
+              <a:rPr lang="en-US" dirty="0" smtClean="0"/>
+              <a:t>Machine(1.6L)</a:t>
+            </a:r>
+          </a:p>
+          <a:p>
+            <a:endParaRPr lang="en-US" dirty="0"/>
+          </a:p>
+          <a:p>
+            <a:endParaRPr lang="en-US" dirty="0" smtClean="0"/>
+          </a:p>
+          <a:p>
+            <a:endParaRPr lang="en-US" dirty="0"/>
           </a:p>
         </p:txBody>
       </p:sp>
@@ -4241,7 +4262,7 @@
     </p:spTree>
     <p:extLst>
       <p:ext uri="{BB962C8B-B14F-4D97-AF65-F5344CB8AC3E}">
-        <p14:creationId xmlns:p14="http://schemas.microsoft.com/office/powerpoint/2010/main" val="519732002"/>
+        <p14:creationId xmlns:p14="http://schemas.microsoft.com/office/powerpoint/2010/main" val="1606927151"/>
       </p:ext>
     </p:extLst>
   </p:cSld>
@@ -4292,6 +4313,132 @@
           <a:p>
             <a:r>
               <a:rPr lang="en-US" dirty="0" smtClean="0"/>
+              <a:t>Conclusion 1</a:t>
+            </a:r>
+            <a:endParaRPr lang="en-US" dirty="0"/>
+          </a:p>
+        </p:txBody>
+      </p:sp>
+      <p:sp>
+        <p:nvSpPr>
+          <p:cNvPr id="3" name="Content Placeholder 2"/>
+          <p:cNvSpPr>
+            <a:spLocks noGrp="1"/>
+          </p:cNvSpPr>
+          <p:nvPr>
+            <p:ph idx="1"/>
+          </p:nvPr>
+        </p:nvSpPr>
+        <p:spPr/>
+        <p:txBody>
+          <a:bodyPr>
+            <a:normAutofit/>
+          </a:bodyPr>
+          <a:lstStyle/>
+          <a:p>
+            <a:r>
+              <a:rPr lang="en-US" sz="2000" dirty="0" smtClean="0"/>
+              <a:t>High Profit Margins.</a:t>
+            </a:r>
+          </a:p>
+          <a:p>
+            <a:r>
+              <a:rPr lang="en-US" sz="2000" dirty="0" smtClean="0"/>
+              <a:t>Profit margins are important to any business: and most retailers and traditional services-related businesses operate on low profit margins which make it difficult to stay afloat, especially through early years. But PCB printing and manufacturing is well-known for its </a:t>
+            </a:r>
+            <a:r>
+              <a:rPr lang="en-US" sz="2000" b="1" dirty="0" smtClean="0">
+                <a:solidFill>
+                  <a:srgbClr val="FF0000"/>
+                </a:solidFill>
+              </a:rPr>
+              <a:t>high profit margins in most cases, and for entrepreneurs who are productivity-oriented, it can be relatively easy to start and successfully operate a highly-profitable startup</a:t>
+            </a:r>
+            <a:r>
+              <a:rPr lang="en-US" sz="2000" dirty="0" smtClean="0"/>
+              <a:t>.</a:t>
+            </a:r>
+            <a:endParaRPr lang="en-US" sz="2000" dirty="0"/>
+          </a:p>
+        </p:txBody>
+      </p:sp>
+      <p:sp>
+        <p:nvSpPr>
+          <p:cNvPr id="4" name="Slide Number Placeholder 3"/>
+          <p:cNvSpPr>
+            <a:spLocks noGrp="1"/>
+          </p:cNvSpPr>
+          <p:nvPr>
+            <p:ph type="sldNum" sz="quarter" idx="12"/>
+          </p:nvPr>
+        </p:nvSpPr>
+        <p:spPr/>
+        <p:txBody>
+          <a:bodyPr/>
+          <a:lstStyle/>
+          <a:p>
+            <a:fld id="{28869D2A-2E0C-42A0-A8F9-16F760BFA729}" type="slidenum">
+              <a:rPr lang="en-US" smtClean="0"/>
+              <a:t>14</a:t>
+            </a:fld>
+            <a:endParaRPr lang="en-US"/>
+          </a:p>
+        </p:txBody>
+      </p:sp>
+    </p:spTree>
+    <p:extLst>
+      <p:ext uri="{BB962C8B-B14F-4D97-AF65-F5344CB8AC3E}">
+        <p14:creationId xmlns:p14="http://schemas.microsoft.com/office/powerpoint/2010/main" val="519732002"/>
+      </p:ext>
+    </p:extLst>
+  </p:cSld>
+  <p:clrMapOvr>
+    <a:masterClrMapping/>
+  </p:clrMapOvr>
+  <p:timing>
+    <p:tnLst>
+      <p:par>
+        <p:cTn id="1" dur="indefinite" restart="never" nodeType="tmRoot"/>
+      </p:par>
+    </p:tnLst>
+  </p:timing>
+</p:sld>
+</file>
+
+<file path=ppt/slides/slide15.xml><?xml version="1.0" encoding="utf-8"?>
+<p:sld xmlns:a="http://schemas.openxmlformats.org/drawingml/2006/main" xmlns:r="http://schemas.openxmlformats.org/officeDocument/2006/relationships" xmlns:p="http://schemas.openxmlformats.org/presentationml/2006/main">
+  <p:cSld>
+    <p:spTree>
+      <p:nvGrpSpPr>
+        <p:cNvPr id="1" name=""/>
+        <p:cNvGrpSpPr/>
+        <p:nvPr/>
+      </p:nvGrpSpPr>
+      <p:grpSpPr>
+        <a:xfrm>
+          <a:off x="0" y="0"/>
+          <a:ext cx="0" cy="0"/>
+          <a:chOff x="0" y="0"/>
+          <a:chExt cx="0" cy="0"/>
+        </a:xfrm>
+      </p:grpSpPr>
+      <p:sp>
+        <p:nvSpPr>
+          <p:cNvPr id="2" name="Title 1"/>
+          <p:cNvSpPr>
+            <a:spLocks noGrp="1"/>
+          </p:cNvSpPr>
+          <p:nvPr>
+            <p:ph type="title"/>
+          </p:nvPr>
+        </p:nvSpPr>
+        <p:spPr/>
+        <p:txBody>
+          <a:bodyPr/>
+          <a:lstStyle/>
+          <a:p>
+            <a:r>
+              <a:rPr lang="en-US" dirty="0" smtClean="0"/>
               <a:t>Conclusion</a:t>
             </a:r>
             <a:endParaRPr lang="en-US" dirty="0"/>
@@ -4367,7 +4514,7 @@
           <a:p>
             <a:fld id="{28869D2A-2E0C-42A0-A8F9-16F760BFA729}" type="slidenum">
               <a:rPr lang="en-US" smtClean="0"/>
-              <a:t>14</a:t>
+              <a:t>15</a:t>
             </a:fld>
             <a:endParaRPr lang="en-US"/>
           </a:p>
